--- a/cloudCloverageDataset/ShellAi-DD-Team-Level1-Pitch.pptx
+++ b/cloudCloverageDataset/ShellAi-DD-Team-Level1-Pitch.pptx
@@ -7090,7 +7090,7 @@
             <a:tbl>
               <a:tblPr>
                 <a:noFill/>
-                <a:tableStyleId>{ED135521-A743-4932-AF73-2810B90486B6}</a:tableStyleId>
+                <a:tableStyleId>{AB42C7D9-1A70-4C7C-8759-12EF229ECA09}</a:tableStyleId>
               </a:tblPr>
               <a:tblGrid>
                 <a:gridCol w="4328250"/>
@@ -8622,7 +8622,7 @@
         <p:spPr>
           <a:xfrm>
             <a:off x="1221698" y="1431561"/>
-            <a:ext cx="9818700" cy="4650000"/>
+            <a:ext cx="9818700" cy="5204100"/>
           </a:xfrm>
           <a:prstGeom prst="rect">
             <a:avLst/>
@@ -9004,6 +9004,46 @@
                 <a:sym typeface="Corbel"/>
               </a:rPr>
               <a:t>Early Stopping configured with patience=3 to stop training when validation loss does not decrease.</a:t>
+            </a:r>
+            <a:endParaRPr sz="1800">
+              <a:solidFill>
+                <a:schemeClr val="lt1"/>
+              </a:solidFill>
+              <a:latin typeface="Corbel"/>
+              <a:ea typeface="Corbel"/>
+              <a:cs typeface="Corbel"/>
+              <a:sym typeface="Corbel"/>
+            </a:endParaRPr>
+          </a:p>
+          <a:p>
+            <a:pPr indent="-342900" lvl="1" marL="914400" marR="0" rtl="0" algn="l">
+              <a:lnSpc>
+                <a:spcPct val="100000"/>
+              </a:lnSpc>
+              <a:spcBef>
+                <a:spcPts val="0"/>
+              </a:spcBef>
+              <a:spcAft>
+                <a:spcPts val="0"/>
+              </a:spcAft>
+              <a:buClr>
+                <a:schemeClr val="lt1"/>
+              </a:buClr>
+              <a:buSzPts val="1800"/>
+              <a:buFont typeface="Corbel"/>
+              <a:buChar char="-"/>
+            </a:pPr>
+            <a:r>
+              <a:rPr lang="en-US" sz="1800">
+                <a:solidFill>
+                  <a:schemeClr val="lt1"/>
+                </a:solidFill>
+                <a:latin typeface="Corbel"/>
+                <a:ea typeface="Corbel"/>
+                <a:cs typeface="Corbel"/>
+                <a:sym typeface="Corbel"/>
+              </a:rPr>
+              <a:t>Used Tensorflow Model checkout to save the best model with low validation loss. We have used the best model by loading it from file, for predictions.</a:t>
             </a:r>
             <a:endParaRPr sz="1800">
               <a:solidFill>
